--- a/CPSC-24700/Presentations/session-33.pptx
+++ b/CPSC-24700/Presentations/session-33.pptx
@@ -4383,7 +4383,7 @@
             </a:pPr>
             <a:r>
               <a:rPr lang="en-US" sz="2000" dirty="0"/>
-              <a:t>Contact Manager (client) Demos</a:t>
+              <a:t>Contact Manager (client) Demos… and Zip to City/State Demo?</a:t>
             </a:r>
           </a:p>
           <a:p>
@@ -4874,7 +4874,7 @@
           <a:p>
             <a:r>
               <a:rPr lang="en-US" sz="2000" dirty="0"/>
-              <a:t>Decide your project 5 direction and be prepared to discuss on Monday</a:t>
+              <a:t>Decide your project 5 direction</a:t>
             </a:r>
           </a:p>
           <a:p>

--- a/CPSC-24700/Presentations/session-33.pptx
+++ b/CPSC-24700/Presentations/session-33.pptx
@@ -207,7 +207,7 @@
           <a:p>
             <a:fld id="{1CF91C02-A59E-4778-8D4F-4840DBBEFA68}" type="datetimeFigureOut">
               <a:rPr lang="en-US" smtClean="0"/>
-              <a:t>11/14/2017</a:t>
+              <a:t>11/15/2017</a:t>
             </a:fld>
             <a:endParaRPr lang="en-US"/>
           </a:p>
@@ -518,7 +518,99 @@
           <a:bodyPr/>
           <a:lstStyle/>
           <a:p>
+            <a:r>
+              <a:rPr lang="en-US" sz="1000" u="sng" dirty="0"/>
+              <a:t>Start:</a:t>
+            </a:r>
+          </a:p>
+          <a:p>
+            <a:r>
+              <a:rPr lang="en-US" sz="1000" dirty="0"/>
+              <a:t>Doing relevant lab sessions each week</a:t>
+            </a:r>
+          </a:p>
+          <a:p>
+            <a:r>
+              <a:rPr lang="en-US" sz="1000" dirty="0"/>
+              <a:t>Interactive coding sessions </a:t>
+            </a:r>
+          </a:p>
+          <a:p>
+            <a:r>
+              <a:rPr lang="en-US" sz="1000" dirty="0"/>
+              <a:t>Giving extra credit for those who are ready on-time… instead of allowing extra time for projects</a:t>
+            </a:r>
+          </a:p>
+          <a:p>
+            <a:r>
+              <a:rPr lang="en-US" sz="1000" dirty="0"/>
+              <a:t>Team code sessions in class</a:t>
+            </a:r>
+          </a:p>
+          <a:p>
             <a:endParaRPr lang="en-US" sz="1000" dirty="0"/>
+          </a:p>
+          <a:p>
+            <a:r>
+              <a:rPr lang="en-US" sz="1000" u="sng" dirty="0"/>
+              <a:t>Stop: </a:t>
+            </a:r>
+          </a:p>
+          <a:p>
+            <a:r>
+              <a:rPr lang="en-US" sz="1000" dirty="0"/>
+              <a:t>Allowing freeform demos that go over the allotted time</a:t>
+            </a:r>
+          </a:p>
+          <a:p>
+            <a:endParaRPr lang="en-US" sz="1000" dirty="0"/>
+          </a:p>
+          <a:p>
+            <a:r>
+              <a:rPr lang="en-US" sz="1000" u="sng" dirty="0"/>
+              <a:t>Continue:</a:t>
+            </a:r>
+          </a:p>
+          <a:p>
+            <a:r>
+              <a:rPr lang="en-US" sz="1000" dirty="0"/>
+              <a:t>Recordings*</a:t>
+            </a:r>
+          </a:p>
+          <a:p>
+            <a:pPr marL="0" marR="0" lvl="0" indent="0" algn="l" defTabSz="914400" rtl="0" eaLnBrk="1" fontAlgn="auto" latinLnBrk="0" hangingPunct="1">
+              <a:lnSpc>
+                <a:spcPct val="100000"/>
+              </a:lnSpc>
+              <a:spcBef>
+                <a:spcPts val="0"/>
+              </a:spcBef>
+              <a:spcAft>
+                <a:spcPts val="0"/>
+              </a:spcAft>
+              <a:buClrTx/>
+              <a:buSzTx/>
+              <a:buFontTx/>
+              <a:buNone/>
+              <a:tabLst/>
+              <a:defRPr/>
+            </a:pPr>
+            <a:r>
+              <a:rPr lang="en-US" sz="1000" dirty="0"/>
+              <a:t>Lite projects… but start the earlier</a:t>
+            </a:r>
+          </a:p>
+          <a:p>
+            <a:r>
+              <a:rPr lang="en-US" sz="1000" dirty="0"/>
+              <a:t>PDF files</a:t>
+            </a:r>
+          </a:p>
+          <a:p>
+            <a:r>
+              <a:rPr lang="en-US" sz="1000" dirty="0"/>
+              <a:t>Flexibility in assignment dates</a:t>
+            </a:r>
           </a:p>
         </p:txBody>
       </p:sp>
@@ -1219,7 +1311,7 @@
           <a:p>
             <a:fld id="{5FB62F81-FD80-4AA8-93CA-E835B40BE667}" type="datetimeFigureOut">
               <a:rPr lang="en-US" smtClean="0"/>
-              <a:t>11/14/2017</a:t>
+              <a:t>11/15/2017</a:t>
             </a:fld>
             <a:endParaRPr lang="en-US"/>
           </a:p>
@@ -1417,7 +1509,7 @@
           <a:p>
             <a:fld id="{5FB62F81-FD80-4AA8-93CA-E835B40BE667}" type="datetimeFigureOut">
               <a:rPr lang="en-US" smtClean="0"/>
-              <a:t>11/14/2017</a:t>
+              <a:t>11/15/2017</a:t>
             </a:fld>
             <a:endParaRPr lang="en-US"/>
           </a:p>
@@ -1625,7 +1717,7 @@
           <a:p>
             <a:fld id="{5FB62F81-FD80-4AA8-93CA-E835B40BE667}" type="datetimeFigureOut">
               <a:rPr lang="en-US" smtClean="0"/>
-              <a:t>11/14/2017</a:t>
+              <a:t>11/15/2017</a:t>
             </a:fld>
             <a:endParaRPr lang="en-US"/>
           </a:p>
@@ -1823,7 +1915,7 @@
           <a:p>
             <a:fld id="{5FB62F81-FD80-4AA8-93CA-E835B40BE667}" type="datetimeFigureOut">
               <a:rPr lang="en-US" smtClean="0"/>
-              <a:t>11/14/2017</a:t>
+              <a:t>11/15/2017</a:t>
             </a:fld>
             <a:endParaRPr lang="en-US"/>
           </a:p>
@@ -2098,7 +2190,7 @@
           <a:p>
             <a:fld id="{5FB62F81-FD80-4AA8-93CA-E835B40BE667}" type="datetimeFigureOut">
               <a:rPr lang="en-US" smtClean="0"/>
-              <a:t>11/14/2017</a:t>
+              <a:t>11/15/2017</a:t>
             </a:fld>
             <a:endParaRPr lang="en-US"/>
           </a:p>
@@ -2363,7 +2455,7 @@
           <a:p>
             <a:fld id="{5FB62F81-FD80-4AA8-93CA-E835B40BE667}" type="datetimeFigureOut">
               <a:rPr lang="en-US" smtClean="0"/>
-              <a:t>11/14/2017</a:t>
+              <a:t>11/15/2017</a:t>
             </a:fld>
             <a:endParaRPr lang="en-US"/>
           </a:p>
@@ -2775,7 +2867,7 @@
           <a:p>
             <a:fld id="{5FB62F81-FD80-4AA8-93CA-E835B40BE667}" type="datetimeFigureOut">
               <a:rPr lang="en-US" smtClean="0"/>
-              <a:t>11/14/2017</a:t>
+              <a:t>11/15/2017</a:t>
             </a:fld>
             <a:endParaRPr lang="en-US"/>
           </a:p>
@@ -2916,7 +3008,7 @@
           <a:p>
             <a:fld id="{5FB62F81-FD80-4AA8-93CA-E835B40BE667}" type="datetimeFigureOut">
               <a:rPr lang="en-US" smtClean="0"/>
-              <a:t>11/14/2017</a:t>
+              <a:t>11/15/2017</a:t>
             </a:fld>
             <a:endParaRPr lang="en-US"/>
           </a:p>
@@ -3029,7 +3121,7 @@
           <a:p>
             <a:fld id="{5FB62F81-FD80-4AA8-93CA-E835B40BE667}" type="datetimeFigureOut">
               <a:rPr lang="en-US" smtClean="0"/>
-              <a:t>11/14/2017</a:t>
+              <a:t>11/15/2017</a:t>
             </a:fld>
             <a:endParaRPr lang="en-US"/>
           </a:p>
@@ -3340,7 +3432,7 @@
           <a:p>
             <a:fld id="{5FB62F81-FD80-4AA8-93CA-E835B40BE667}" type="datetimeFigureOut">
               <a:rPr lang="en-US" smtClean="0"/>
-              <a:t>11/14/2017</a:t>
+              <a:t>11/15/2017</a:t>
             </a:fld>
             <a:endParaRPr lang="en-US"/>
           </a:p>
@@ -3628,7 +3720,7 @@
           <a:p>
             <a:fld id="{5FB62F81-FD80-4AA8-93CA-E835B40BE667}" type="datetimeFigureOut">
               <a:rPr lang="en-US" smtClean="0"/>
-              <a:t>11/14/2017</a:t>
+              <a:t>11/15/2017</a:t>
             </a:fld>
             <a:endParaRPr lang="en-US"/>
           </a:p>
@@ -3869,7 +3961,7 @@
           <a:p>
             <a:fld id="{5FB62F81-FD80-4AA8-93CA-E835B40BE667}" type="datetimeFigureOut">
               <a:rPr lang="en-US" smtClean="0"/>
-              <a:t>11/14/2017</a:t>
+              <a:t>11/15/2017</a:t>
             </a:fld>
             <a:endParaRPr lang="en-US"/>
           </a:p>
@@ -4354,7 +4446,7 @@
         <p:spPr/>
         <p:txBody>
           <a:bodyPr>
-            <a:normAutofit/>
+            <a:normAutofit fontScale="92500" lnSpcReduction="10000"/>
           </a:bodyPr>
           <a:lstStyle/>
           <a:p>
@@ -4383,7 +4475,7 @@
             </a:pPr>
             <a:r>
               <a:rPr lang="en-US" sz="2000" dirty="0"/>
-              <a:t>Contact Manager (client) Demos… and Zip to City/State Demo?</a:t>
+              <a:t>Start, Stop, Continue Observations</a:t>
             </a:r>
           </a:p>
           <a:p>
@@ -4393,7 +4485,7 @@
             </a:pPr>
             <a:r>
               <a:rPr lang="en-US" sz="2000" dirty="0"/>
-              <a:t>Quick Review of Assignments From Last Class</a:t>
+              <a:t>Contact Manager (client) Demos… and Zip to City/State Demo?</a:t>
             </a:r>
           </a:p>
           <a:p>
@@ -4403,7 +4495,7 @@
             </a:pPr>
             <a:r>
               <a:rPr lang="en-US" sz="2000" dirty="0"/>
-              <a:t>PHP</a:t>
+              <a:t>Quick Review of Assignments From Last Class</a:t>
             </a:r>
           </a:p>
           <a:p>
@@ -4413,7 +4505,7 @@
             </a:pPr>
             <a:r>
               <a:rPr lang="en-US" sz="2000" dirty="0"/>
-              <a:t>Today’s Assignment</a:t>
+              <a:t>PHP</a:t>
             </a:r>
           </a:p>
           <a:p>
@@ -4423,7 +4515,49 @@
             </a:pPr>
             <a:r>
               <a:rPr lang="en-US" sz="2000" dirty="0"/>
-              <a:t>Project 5/Contact Manager (server) Lab</a:t>
+              <a:t>Today’s Assignment</a:t>
+            </a:r>
+          </a:p>
+          <a:p>
+            <a:pPr marL="457200" indent="-457200">
+              <a:buFont typeface="+mj-lt"/>
+              <a:buAutoNum type="arabicPeriod"/>
+            </a:pPr>
+            <a:r>
+              <a:rPr lang="en-US" sz="2000" dirty="0"/>
+              <a:t>Week 12 Lab: Creating/Deploying Static Web Sites on Azure </a:t>
+            </a:r>
+            <a:r>
+              <a:rPr lang="en-US" sz="2000" dirty="0">
+                <a:hlinkClick r:id="rId3"/>
+              </a:rPr>
+              <a:t>[link]</a:t>
+            </a:r>
+            <a:endParaRPr lang="en-US" sz="2000" dirty="0"/>
+          </a:p>
+          <a:p>
+            <a:pPr marL="0" indent="0">
+              <a:buNone/>
+            </a:pPr>
+            <a:r>
+              <a:rPr lang="en-US" sz="2000" dirty="0"/>
+              <a:t>	… using </a:t>
+            </a:r>
+            <a:r>
+              <a:rPr lang="en-US" sz="2000" u="sng" dirty="0"/>
+              <a:t>Azure CLI </a:t>
+            </a:r>
+            <a:r>
+              <a:rPr lang="en-US" sz="2000" dirty="0"/>
+              <a:t>and </a:t>
+            </a:r>
+            <a:r>
+              <a:rPr lang="en-US" sz="2000" u="sng" dirty="0"/>
+              <a:t>Git</a:t>
+            </a:r>
+            <a:r>
+              <a:rPr lang="en-US" sz="2000" dirty="0"/>
+              <a:t> (client)</a:t>
             </a:r>
           </a:p>
           <a:p>
@@ -4482,7 +4616,7 @@
           <p:nvPr/>
         </p:nvPicPr>
         <p:blipFill>
-          <a:blip r:embed="rId3"/>
+          <a:blip r:embed="rId4"/>
           <a:stretch>
             <a:fillRect/>
           </a:stretch>
@@ -4812,7 +4946,7 @@
           <a:p>
             <a:r>
               <a:rPr lang="en-US" sz="3600" dirty="0"/>
-              <a:t>Todays Assignment</a:t>
+              <a:t>Assignment by Monday, Nov 27</a:t>
             </a:r>
           </a:p>
         </p:txBody>
@@ -4874,7 +5008,7 @@
           <a:p>
             <a:r>
               <a:rPr lang="en-US" sz="2000" dirty="0"/>
-              <a:t>Decide your project 5 direction</a:t>
+              <a:t>Finalize your project 5 direction</a:t>
             </a:r>
           </a:p>
           <a:p>
@@ -4887,6 +5021,29 @@
             <a:r>
               <a:rPr lang="en-US" sz="2000" dirty="0"/>
               <a:t>Review for Midterm Exam 2 Study Guide</a:t>
+            </a:r>
+          </a:p>
+          <a:p>
+            <a:r>
+              <a:rPr lang="en-US" sz="2000" dirty="0"/>
+              <a:t>Complete Week 13 Lab: Create a </a:t>
+            </a:r>
+            <a:r>
+              <a:rPr lang="nl-NL" sz="2000" dirty="0"/>
+              <a:t>Node.js web in Azure OR </a:t>
+            </a:r>
+          </a:p>
+          <a:p>
+            <a:pPr marL="0" indent="0">
+              <a:buNone/>
+            </a:pPr>
+            <a:r>
+              <a:rPr lang="nl-NL" sz="2000" dirty="0"/>
+              <a:t>	</a:t>
+            </a:r>
+            <a:r>
+              <a:rPr lang="en-US" sz="2000" dirty="0"/>
+              <a:t> Week 13b Lab: Create a PHP web app in Azure </a:t>
             </a:r>
           </a:p>
         </p:txBody>
@@ -4944,27 +5101,27 @@
           <a:lstStyle/>
           <a:p>
             <a:br>
-              <a:rPr lang="en-US" sz="4800" dirty="0"/>
+              <a:rPr lang="en-US" sz="4000" dirty="0"/>
             </a:br>
             <a:br>
-              <a:rPr lang="en-US" sz="4800" dirty="0"/>
+              <a:rPr lang="en-US" sz="4000" dirty="0"/>
             </a:br>
             <a:br>
-              <a:rPr lang="en-US" sz="4800" dirty="0"/>
+              <a:rPr lang="en-US" sz="4000" dirty="0"/>
             </a:br>
             <a:br>
-              <a:rPr lang="en-US" sz="4800" dirty="0"/>
+              <a:rPr lang="en-US" sz="4000" dirty="0"/>
             </a:br>
             <a:r>
-              <a:rPr lang="en-US" sz="4800" dirty="0"/>
-              <a:t>Project 5/Contact </a:t>
+              <a:rPr lang="en-US" sz="4000" dirty="0"/>
+              <a:t>Week 12 Lab: </a:t>
             </a:r>
             <a:br>
-              <a:rPr lang="en-US" sz="4800" dirty="0"/>
+              <a:rPr lang="en-US" sz="4000" dirty="0"/>
             </a:br>
             <a:r>
-              <a:rPr lang="en-US" sz="4800" dirty="0"/>
-              <a:t>Manager (server) Lab</a:t>
+              <a:rPr lang="en-US" sz="4000" dirty="0"/>
+              <a:t>Creating/Deploying Static Web Sites on Azure using Azure CLI and Git (client)</a:t>
             </a:r>
           </a:p>
         </p:txBody>

--- a/CPSC-24700/Presentations/session-33.pptx
+++ b/CPSC-24700/Presentations/session-33.pptx
@@ -4525,7 +4525,7 @@
             </a:pPr>
             <a:r>
               <a:rPr lang="en-US" sz="2000" dirty="0"/>
-              <a:t>Week 12 Lab: Creating/Deploying Static Web Sites on Azure </a:t>
+              <a:t>Week 12 Lab: Create a Static Website on Azure </a:t>
             </a:r>
             <a:r>
               <a:rPr lang="en-US" sz="2000" dirty="0">
